--- a/f_other/causal_diagram.pptx
+++ b/f_other/causal_diagram.pptx
@@ -104,6 +104,11 @@
       </a:defRPr>
     </a:lvl9pPr>
   </p:defaultTextStyle>
+  <p:extLst>
+    <p:ext uri="{EFAFB233-063F-42B5-8137-9DF3F51BA10A}">
+      <p15:sldGuideLst xmlns:p15="http://schemas.microsoft.com/office/powerpoint/2012/main"/>
+    </p:ext>
+  </p:extLst>
 </p:presentation>
 </file>
 
@@ -4533,8 +4538,19 @@
                 <a:latin typeface="Times New Roman" panose="02020603050405020304" pitchFamily="18" charset="0"/>
                 <a:cs typeface="Times New Roman" panose="02020603050405020304" pitchFamily="18" charset="0"/>
               </a:rPr>
-              <a:t>Higher sun exposure*</a:t>
-            </a:r>
+              <a:t>Higher sun exposure</a:t>
+            </a:r>
+            <a:r>
+              <a:rPr lang="en-US" sz="1200" dirty="0" smtClean="0">
+                <a:latin typeface="Times New Roman" panose="02020603050405020304" pitchFamily="18" charset="0"/>
+                <a:cs typeface="Times New Roman" panose="02020603050405020304" pitchFamily="18" charset="0"/>
+              </a:rPr>
+              <a:t>*~</a:t>
+            </a:r>
+            <a:endParaRPr lang="en-US" sz="1200" dirty="0" smtClean="0">
+              <a:latin typeface="Times New Roman" panose="02020603050405020304" pitchFamily="18" charset="0"/>
+              <a:cs typeface="Times New Roman" panose="02020603050405020304" pitchFamily="18" charset="0"/>
+            </a:endParaRPr>
           </a:p>
           <a:p>
             <a:pPr marL="228600" indent="-228600">
@@ -4546,8 +4562,19 @@
                 <a:latin typeface="Times New Roman" panose="02020603050405020304" pitchFamily="18" charset="0"/>
                 <a:cs typeface="Times New Roman" panose="02020603050405020304" pitchFamily="18" charset="0"/>
               </a:rPr>
-              <a:t>Escape soil nematodes*</a:t>
-            </a:r>
+              <a:t>Escape soil nematodes</a:t>
+            </a:r>
+            <a:r>
+              <a:rPr lang="en-US" sz="1200" dirty="0" smtClean="0">
+                <a:latin typeface="Times New Roman" panose="02020603050405020304" pitchFamily="18" charset="0"/>
+                <a:cs typeface="Times New Roman" panose="02020603050405020304" pitchFamily="18" charset="0"/>
+              </a:rPr>
+              <a:t>*</a:t>
+            </a:r>
+            <a:endParaRPr lang="en-US" sz="1200" dirty="0" smtClean="0">
+              <a:latin typeface="Times New Roman" panose="02020603050405020304" pitchFamily="18" charset="0"/>
+              <a:cs typeface="Times New Roman" panose="02020603050405020304" pitchFamily="18" charset="0"/>
+            </a:endParaRPr>
           </a:p>
           <a:p>
             <a:pPr marL="228600" indent="-228600">
@@ -4583,8 +4610,19 @@
                 <a:latin typeface="Times New Roman" panose="02020603050405020304" pitchFamily="18" charset="0"/>
                 <a:cs typeface="Times New Roman" panose="02020603050405020304" pitchFamily="18" charset="0"/>
               </a:rPr>
-              <a:t>Higher sun exposure*</a:t>
-            </a:r>
+              <a:t>Higher sun exposure</a:t>
+            </a:r>
+            <a:r>
+              <a:rPr lang="en-US" sz="1200" dirty="0" smtClean="0">
+                <a:latin typeface="Times New Roman" panose="02020603050405020304" pitchFamily="18" charset="0"/>
+                <a:cs typeface="Times New Roman" panose="02020603050405020304" pitchFamily="18" charset="0"/>
+              </a:rPr>
+              <a:t>*~</a:t>
+            </a:r>
+            <a:endParaRPr lang="en-US" sz="1200" dirty="0" smtClean="0">
+              <a:latin typeface="Times New Roman" panose="02020603050405020304" pitchFamily="18" charset="0"/>
+              <a:cs typeface="Times New Roman" panose="02020603050405020304" pitchFamily="18" charset="0"/>
+            </a:endParaRPr>
           </a:p>
           <a:p>
             <a:pPr marL="228600" indent="-228600">
@@ -4653,43 +4691,21 @@
                 <a:latin typeface="Times New Roman" panose="02020603050405020304" pitchFamily="18" charset="0"/>
                 <a:cs typeface="Times New Roman" panose="02020603050405020304" pitchFamily="18" charset="0"/>
               </a:rPr>
-              <a:t>Coevolution may change encapsulation capacity</a:t>
-            </a:r>
+              <a:t>Coevolution may change encapsulation capacity^</a:t>
+            </a:r>
+          </a:p>
+          <a:p>
+            <a:pPr marL="228600" indent="-228600">
+              <a:buFontTx/>
+              <a:buAutoNum type="arabicParenBoth"/>
+            </a:pPr>
             <a:r>
               <a:rPr lang="en-US" sz="1200" dirty="0" smtClean="0">
                 <a:latin typeface="Times New Roman" panose="02020603050405020304" pitchFamily="18" charset="0"/>
                 <a:cs typeface="Times New Roman" panose="02020603050405020304" pitchFamily="18" charset="0"/>
               </a:rPr>
-              <a:t>^</a:t>
-            </a:r>
-            <a:endParaRPr lang="en-US" sz="1200" dirty="0" smtClean="0">
-              <a:latin typeface="Times New Roman" panose="02020603050405020304" pitchFamily="18" charset="0"/>
-              <a:cs typeface="Times New Roman" panose="02020603050405020304" pitchFamily="18" charset="0"/>
-            </a:endParaRPr>
-          </a:p>
-          <a:p>
-            <a:pPr marL="228600" indent="-228600">
-              <a:buFontTx/>
-              <a:buAutoNum type="arabicParenBoth"/>
-            </a:pPr>
-            <a:r>
-              <a:rPr lang="en-US" sz="1200" dirty="0" smtClean="0">
-                <a:latin typeface="Times New Roman" panose="02020603050405020304" pitchFamily="18" charset="0"/>
-                <a:cs typeface="Times New Roman" panose="02020603050405020304" pitchFamily="18" charset="0"/>
-              </a:rPr>
-              <a:t> Zero net effect</a:t>
-            </a:r>
-            <a:r>
-              <a:rPr lang="en-US" sz="1200" dirty="0" smtClean="0">
-                <a:latin typeface="Times New Roman" panose="02020603050405020304" pitchFamily="18" charset="0"/>
-                <a:cs typeface="Times New Roman" panose="02020603050405020304" pitchFamily="18" charset="0"/>
-              </a:rPr>
-              <a:t>^</a:t>
-            </a:r>
-            <a:endParaRPr lang="en-US" sz="1200" dirty="0" smtClean="0">
-              <a:latin typeface="Times New Roman" panose="02020603050405020304" pitchFamily="18" charset="0"/>
-              <a:cs typeface="Times New Roman" panose="02020603050405020304" pitchFamily="18" charset="0"/>
-            </a:endParaRPr>
+              <a:t> Zero net effect^</a:t>
+            </a:r>
           </a:p>
           <a:p>
             <a:pPr marL="228600" indent="-228600">
@@ -4730,10 +4746,6 @@
               </a:rPr>
               <a:t>No clue</a:t>
             </a:r>
-            <a:endParaRPr lang="en-US" sz="1200" dirty="0" smtClean="0">
-              <a:latin typeface="Times New Roman" panose="02020603050405020304" pitchFamily="18" charset="0"/>
-              <a:cs typeface="Times New Roman" panose="02020603050405020304" pitchFamily="18" charset="0"/>
-            </a:endParaRPr>
           </a:p>
           <a:p>
             <a:endParaRPr lang="en-US" sz="1200" dirty="0">

--- a/f_other/causal_diagram.pptx
+++ b/f_other/causal_diagram.pptx
@@ -3326,9 +3326,9 @@
           </a:prstGeom>
           <a:ln>
             <a:solidFill>
-              <a:schemeClr val="tx1"/>
+              <a:srgbClr val="00B050"/>
             </a:solidFill>
-            <a:prstDash val="dash"/>
+            <a:prstDash val="solid"/>
             <a:tailEnd type="triangle"/>
           </a:ln>
         </p:spPr>
@@ -4645,7 +4645,14 @@
                 <a:latin typeface="Times New Roman" panose="02020603050405020304" pitchFamily="18" charset="0"/>
                 <a:cs typeface="Times New Roman" panose="02020603050405020304" pitchFamily="18" charset="0"/>
               </a:rPr>
-              <a:t>Depends on foraging activities and sun exposure~</a:t>
+              <a:t>Higher </a:t>
+            </a:r>
+            <a:r>
+              <a:rPr lang="en-US" sz="1200" dirty="0" smtClean="0">
+                <a:latin typeface="Times New Roman" panose="02020603050405020304" pitchFamily="18" charset="0"/>
+                <a:cs typeface="Times New Roman" panose="02020603050405020304" pitchFamily="18" charset="0"/>
+              </a:rPr>
+              <a:t>foraging activities and sun exposure~</a:t>
             </a:r>
           </a:p>
           <a:p>
@@ -4810,6 +4817,64 @@
                 <a:cs typeface="Times New Roman" panose="02020603050405020304" pitchFamily="18" charset="0"/>
               </a:rPr>
               <a:t>(13)</a:t>
+            </a:r>
+            <a:endParaRPr lang="en-US" sz="1200" dirty="0">
+              <a:latin typeface="Times New Roman" panose="02020603050405020304" pitchFamily="18" charset="0"/>
+              <a:cs typeface="Times New Roman" panose="02020603050405020304" pitchFamily="18" charset="0"/>
+            </a:endParaRPr>
+          </a:p>
+        </p:txBody>
+      </p:sp>
+      <p:sp>
+        <p:nvSpPr>
+          <p:cNvPr id="2" name="Rectángulo 1"/>
+          <p:cNvSpPr/>
+          <p:nvPr/>
+        </p:nvSpPr>
+        <p:spPr>
+          <a:xfrm>
+            <a:off x="1214847" y="5702615"/>
+            <a:ext cx="9628999" cy="276999"/>
+          </a:xfrm>
+          <a:prstGeom prst="rect">
+            <a:avLst/>
+          </a:prstGeom>
+        </p:spPr>
+        <p:txBody>
+          <a:bodyPr wrap="square">
+            <a:spAutoFit/>
+          </a:bodyPr>
+          <a:lstStyle/>
+          <a:p>
+            <a:r>
+              <a:rPr lang="en-US" sz="1200" dirty="0" smtClean="0">
+                <a:solidFill>
+                  <a:srgbClr val="333132"/>
+                </a:solidFill>
+                <a:latin typeface="Times New Roman" panose="02020603050405020304" pitchFamily="18" charset="0"/>
+                <a:cs typeface="Times New Roman" panose="02020603050405020304" pitchFamily="18" charset="0"/>
+              </a:rPr>
+              <a:t>&gt; Selection (and therefore brightness) on </a:t>
+            </a:r>
+            <a:r>
+              <a:rPr lang="en-US" sz="1200" dirty="0">
+                <a:solidFill>
+                  <a:srgbClr val="333132"/>
+                </a:solidFill>
+                <a:latin typeface="Times New Roman" panose="02020603050405020304" pitchFamily="18" charset="0"/>
+                <a:cs typeface="Times New Roman" panose="02020603050405020304" pitchFamily="18" charset="0"/>
+              </a:rPr>
+              <a:t>species in particular communities is similar, while selection pressure among islands </a:t>
+            </a:r>
+            <a:r>
+              <a:rPr lang="en-US" sz="1200" dirty="0" smtClean="0">
+                <a:solidFill>
+                  <a:srgbClr val="333132"/>
+                </a:solidFill>
+                <a:latin typeface="Times New Roman" panose="02020603050405020304" pitchFamily="18" charset="0"/>
+                <a:cs typeface="Times New Roman" panose="02020603050405020304" pitchFamily="18" charset="0"/>
+              </a:rPr>
+              <a:t>differs (Kraemer et al. 2019)</a:t>
             </a:r>
             <a:endParaRPr lang="en-US" sz="1200" dirty="0">
               <a:latin typeface="Times New Roman" panose="02020603050405020304" pitchFamily="18" charset="0"/>

--- a/f_other/causal_diagram.pptx
+++ b/f_other/causal_diagram.pptx
@@ -243,7 +243,7 @@
           <a:p>
             <a:fld id="{A5E71915-4E7E-4A78-9D4B-6170BE2E1D8C}" type="datetimeFigureOut">
               <a:rPr lang="en-US" smtClean="0"/>
-              <a:t>6/25/2024</a:t>
+              <a:t>7/16/2024</a:t>
             </a:fld>
             <a:endParaRPr lang="en-US"/>
           </a:p>
@@ -413,7 +413,7 @@
           <a:p>
             <a:fld id="{A5E71915-4E7E-4A78-9D4B-6170BE2E1D8C}" type="datetimeFigureOut">
               <a:rPr lang="en-US" smtClean="0"/>
-              <a:t>6/25/2024</a:t>
+              <a:t>7/16/2024</a:t>
             </a:fld>
             <a:endParaRPr lang="en-US"/>
           </a:p>
@@ -593,7 +593,7 @@
           <a:p>
             <a:fld id="{A5E71915-4E7E-4A78-9D4B-6170BE2E1D8C}" type="datetimeFigureOut">
               <a:rPr lang="en-US" smtClean="0"/>
-              <a:t>6/25/2024</a:t>
+              <a:t>7/16/2024</a:t>
             </a:fld>
             <a:endParaRPr lang="en-US"/>
           </a:p>
@@ -763,7 +763,7 @@
           <a:p>
             <a:fld id="{A5E71915-4E7E-4A78-9D4B-6170BE2E1D8C}" type="datetimeFigureOut">
               <a:rPr lang="en-US" smtClean="0"/>
-              <a:t>6/25/2024</a:t>
+              <a:t>7/16/2024</a:t>
             </a:fld>
             <a:endParaRPr lang="en-US"/>
           </a:p>
@@ -1009,7 +1009,7 @@
           <a:p>
             <a:fld id="{A5E71915-4E7E-4A78-9D4B-6170BE2E1D8C}" type="datetimeFigureOut">
               <a:rPr lang="en-US" smtClean="0"/>
-              <a:t>6/25/2024</a:t>
+              <a:t>7/16/2024</a:t>
             </a:fld>
             <a:endParaRPr lang="en-US"/>
           </a:p>
@@ -1241,7 +1241,7 @@
           <a:p>
             <a:fld id="{A5E71915-4E7E-4A78-9D4B-6170BE2E1D8C}" type="datetimeFigureOut">
               <a:rPr lang="en-US" smtClean="0"/>
-              <a:t>6/25/2024</a:t>
+              <a:t>7/16/2024</a:t>
             </a:fld>
             <a:endParaRPr lang="en-US"/>
           </a:p>
@@ -1608,7 +1608,7 @@
           <a:p>
             <a:fld id="{A5E71915-4E7E-4A78-9D4B-6170BE2E1D8C}" type="datetimeFigureOut">
               <a:rPr lang="en-US" smtClean="0"/>
-              <a:t>6/25/2024</a:t>
+              <a:t>7/16/2024</a:t>
             </a:fld>
             <a:endParaRPr lang="en-US"/>
           </a:p>
@@ -1726,7 +1726,7 @@
           <a:p>
             <a:fld id="{A5E71915-4E7E-4A78-9D4B-6170BE2E1D8C}" type="datetimeFigureOut">
               <a:rPr lang="en-US" smtClean="0"/>
-              <a:t>6/25/2024</a:t>
+              <a:t>7/16/2024</a:t>
             </a:fld>
             <a:endParaRPr lang="en-US"/>
           </a:p>
@@ -1821,7 +1821,7 @@
           <a:p>
             <a:fld id="{A5E71915-4E7E-4A78-9D4B-6170BE2E1D8C}" type="datetimeFigureOut">
               <a:rPr lang="en-US" smtClean="0"/>
-              <a:t>6/25/2024</a:t>
+              <a:t>7/16/2024</a:t>
             </a:fld>
             <a:endParaRPr lang="en-US"/>
           </a:p>
@@ -2098,7 +2098,7 @@
           <a:p>
             <a:fld id="{A5E71915-4E7E-4A78-9D4B-6170BE2E1D8C}" type="datetimeFigureOut">
               <a:rPr lang="en-US" smtClean="0"/>
-              <a:t>6/25/2024</a:t>
+              <a:t>7/16/2024</a:t>
             </a:fld>
             <a:endParaRPr lang="en-US"/>
           </a:p>
@@ -2351,7 +2351,7 @@
           <a:p>
             <a:fld id="{A5E71915-4E7E-4A78-9D4B-6170BE2E1D8C}" type="datetimeFigureOut">
               <a:rPr lang="en-US" smtClean="0"/>
-              <a:t>6/25/2024</a:t>
+              <a:t>7/16/2024</a:t>
             </a:fld>
             <a:endParaRPr lang="en-US"/>
           </a:p>
@@ -2564,7 +2564,7 @@
           <a:p>
             <a:fld id="{A5E71915-4E7E-4A78-9D4B-6170BE2E1D8C}" type="datetimeFigureOut">
               <a:rPr lang="en-US" smtClean="0"/>
-              <a:t>6/25/2024</a:t>
+              <a:t>7/16/2024</a:t>
             </a:fld>
             <a:endParaRPr lang="en-US"/>
           </a:p>
@@ -3405,8 +3405,9 @@
           </a:prstGeom>
           <a:ln>
             <a:solidFill>
-              <a:srgbClr val="FF0000"/>
+              <a:schemeClr val="tx1"/>
             </a:solidFill>
+            <a:prstDash val="dash"/>
             <a:tailEnd type="triangle"/>
           </a:ln>
         </p:spPr>
@@ -4538,43 +4539,21 @@
                 <a:latin typeface="Times New Roman" panose="02020603050405020304" pitchFamily="18" charset="0"/>
                 <a:cs typeface="Times New Roman" panose="02020603050405020304" pitchFamily="18" charset="0"/>
               </a:rPr>
-              <a:t>Higher sun exposure</a:t>
-            </a:r>
+              <a:t>Higher sun exposure*~</a:t>
+            </a:r>
+          </a:p>
+          <a:p>
+            <a:pPr marL="228600" indent="-228600">
+              <a:buFontTx/>
+              <a:buAutoNum type="arabicParenBoth"/>
+            </a:pPr>
             <a:r>
               <a:rPr lang="en-US" sz="1200" dirty="0" smtClean="0">
                 <a:latin typeface="Times New Roman" panose="02020603050405020304" pitchFamily="18" charset="0"/>
                 <a:cs typeface="Times New Roman" panose="02020603050405020304" pitchFamily="18" charset="0"/>
               </a:rPr>
-              <a:t>*~</a:t>
-            </a:r>
-            <a:endParaRPr lang="en-US" sz="1200" dirty="0" smtClean="0">
-              <a:latin typeface="Times New Roman" panose="02020603050405020304" pitchFamily="18" charset="0"/>
-              <a:cs typeface="Times New Roman" panose="02020603050405020304" pitchFamily="18" charset="0"/>
-            </a:endParaRPr>
-          </a:p>
-          <a:p>
-            <a:pPr marL="228600" indent="-228600">
-              <a:buFontTx/>
-              <a:buAutoNum type="arabicParenBoth"/>
-            </a:pPr>
-            <a:r>
-              <a:rPr lang="en-US" sz="1200" dirty="0" smtClean="0">
-                <a:latin typeface="Times New Roman" panose="02020603050405020304" pitchFamily="18" charset="0"/>
-                <a:cs typeface="Times New Roman" panose="02020603050405020304" pitchFamily="18" charset="0"/>
-              </a:rPr>
-              <a:t>Escape soil nematodes</a:t>
-            </a:r>
-            <a:r>
-              <a:rPr lang="en-US" sz="1200" dirty="0" smtClean="0">
-                <a:latin typeface="Times New Roman" panose="02020603050405020304" pitchFamily="18" charset="0"/>
-                <a:cs typeface="Times New Roman" panose="02020603050405020304" pitchFamily="18" charset="0"/>
-              </a:rPr>
-              <a:t>*</a:t>
-            </a:r>
-            <a:endParaRPr lang="en-US" sz="1200" dirty="0" smtClean="0">
-              <a:latin typeface="Times New Roman" panose="02020603050405020304" pitchFamily="18" charset="0"/>
-              <a:cs typeface="Times New Roman" panose="02020603050405020304" pitchFamily="18" charset="0"/>
-            </a:endParaRPr>
+              <a:t>Escape soil nematodes*</a:t>
+            </a:r>
           </a:p>
           <a:p>
             <a:pPr marL="228600" indent="-228600">
@@ -4610,19 +4589,8 @@
                 <a:latin typeface="Times New Roman" panose="02020603050405020304" pitchFamily="18" charset="0"/>
                 <a:cs typeface="Times New Roman" panose="02020603050405020304" pitchFamily="18" charset="0"/>
               </a:rPr>
-              <a:t>Higher sun exposure</a:t>
-            </a:r>
-            <a:r>
-              <a:rPr lang="en-US" sz="1200" dirty="0" smtClean="0">
-                <a:latin typeface="Times New Roman" panose="02020603050405020304" pitchFamily="18" charset="0"/>
-                <a:cs typeface="Times New Roman" panose="02020603050405020304" pitchFamily="18" charset="0"/>
-              </a:rPr>
-              <a:t>*~</a:t>
-            </a:r>
-            <a:endParaRPr lang="en-US" sz="1200" dirty="0" smtClean="0">
-              <a:latin typeface="Times New Roman" panose="02020603050405020304" pitchFamily="18" charset="0"/>
-              <a:cs typeface="Times New Roman" panose="02020603050405020304" pitchFamily="18" charset="0"/>
-            </a:endParaRPr>
+              <a:t>Higher sun exposure*~</a:t>
+            </a:r>
           </a:p>
           <a:p>
             <a:pPr marL="228600" indent="-228600">
@@ -4645,14 +4613,7 @@
                 <a:latin typeface="Times New Roman" panose="02020603050405020304" pitchFamily="18" charset="0"/>
                 <a:cs typeface="Times New Roman" panose="02020603050405020304" pitchFamily="18" charset="0"/>
               </a:rPr>
-              <a:t>Higher </a:t>
-            </a:r>
-            <a:r>
-              <a:rPr lang="en-US" sz="1200" dirty="0" smtClean="0">
-                <a:latin typeface="Times New Roman" panose="02020603050405020304" pitchFamily="18" charset="0"/>
-                <a:cs typeface="Times New Roman" panose="02020603050405020304" pitchFamily="18" charset="0"/>
-              </a:rPr>
-              <a:t>foraging activities and sun exposure~</a:t>
+              <a:t>Higher foraging activities and sun exposure~</a:t>
             </a:r>
           </a:p>
           <a:p>
